--- a/intro to js.pptx
+++ b/intro to js.pptx
@@ -217,7 +217,7 @@
           <a:p>
             <a:fld id="{7C28A56C-B7DC-4B0B-A28E-64830014DEAF}" type="datetimeFigureOut">
               <a:rPr lang="en-US" smtClean="0"/>
-              <a:t>1/22/2018</a:t>
+              <a:t>1/11/2022</a:t>
             </a:fld>
             <a:endParaRPr lang="en-US"/>
           </a:p>
@@ -281,38 +281,37 @@
           <a:p>
             <a:pPr lvl="0"/>
             <a:r>
-              <a:rPr lang="en-US" smtClean="0"/>
+              <a:rPr lang="en-US"/>
               <a:t>Edit Master text styles</a:t>
             </a:r>
           </a:p>
           <a:p>
             <a:pPr lvl="1"/>
             <a:r>
-              <a:rPr lang="en-US" smtClean="0"/>
+              <a:rPr lang="en-US"/>
               <a:t>Second level</a:t>
             </a:r>
           </a:p>
           <a:p>
             <a:pPr lvl="2"/>
             <a:r>
-              <a:rPr lang="en-US" smtClean="0"/>
+              <a:rPr lang="en-US"/>
               <a:t>Third level</a:t>
             </a:r>
           </a:p>
           <a:p>
             <a:pPr lvl="3"/>
             <a:r>
-              <a:rPr lang="en-US" smtClean="0"/>
+              <a:rPr lang="en-US"/>
               <a:t>Fourth level</a:t>
             </a:r>
           </a:p>
           <a:p>
             <a:pPr lvl="4"/>
             <a:r>
-              <a:rPr lang="en-US" smtClean="0"/>
+              <a:rPr lang="en-US"/>
               <a:t>Fifth level</a:t>
             </a:r>
-            <a:endParaRPr lang="en-US"/>
           </a:p>
         </p:txBody>
       </p:sp>
@@ -619,7 +618,7 @@
           </a:lstStyle>
           <a:p>
             <a:r>
-              <a:rPr lang="en-US" smtClean="0"/>
+              <a:rPr lang="en-US"/>
               <a:t>Click to edit Master title style</a:t>
             </a:r>
             <a:endParaRPr lang="en-US" dirty="0"/>
@@ -684,7 +683,7 @@
           </a:lstStyle>
           <a:p>
             <a:r>
-              <a:rPr lang="en-US" smtClean="0"/>
+              <a:rPr lang="en-US"/>
               <a:t>Click to edit Master subtitle style</a:t>
             </a:r>
             <a:endParaRPr lang="en-US" dirty="0"/>
@@ -708,7 +707,7 @@
           <a:p>
             <a:fld id="{B417B79C-9BEE-4788-8A40-105E29A8A87D}" type="datetimeFigureOut">
               <a:rPr lang="en-US" smtClean="0"/>
-              <a:t>1/22/2018</a:t>
+              <a:t>1/11/2022</a:t>
             </a:fld>
             <a:endParaRPr lang="en-US"/>
           </a:p>
@@ -810,7 +809,7 @@
           <a:lstStyle/>
           <a:p>
             <a:r>
-              <a:rPr lang="en-US" smtClean="0"/>
+              <a:rPr lang="en-US"/>
               <a:t>Click to edit Master title style</a:t>
             </a:r>
             <a:endParaRPr lang="en-US" dirty="0"/>
@@ -834,35 +833,35 @@
           <a:p>
             <a:pPr lvl="0"/>
             <a:r>
-              <a:rPr lang="en-US" smtClean="0"/>
+              <a:rPr lang="en-US"/>
               <a:t>Edit Master text styles</a:t>
             </a:r>
           </a:p>
           <a:p>
             <a:pPr lvl="1"/>
             <a:r>
-              <a:rPr lang="en-US" smtClean="0"/>
+              <a:rPr lang="en-US"/>
               <a:t>Second level</a:t>
             </a:r>
           </a:p>
           <a:p>
             <a:pPr lvl="2"/>
             <a:r>
-              <a:rPr lang="en-US" smtClean="0"/>
+              <a:rPr lang="en-US"/>
               <a:t>Third level</a:t>
             </a:r>
           </a:p>
           <a:p>
             <a:pPr lvl="3"/>
             <a:r>
-              <a:rPr lang="en-US" smtClean="0"/>
+              <a:rPr lang="en-US"/>
               <a:t>Fourth level</a:t>
             </a:r>
           </a:p>
           <a:p>
             <a:pPr lvl="4"/>
             <a:r>
-              <a:rPr lang="en-US" smtClean="0"/>
+              <a:rPr lang="en-US"/>
               <a:t>Fifth level</a:t>
             </a:r>
             <a:endParaRPr lang="en-US" dirty="0"/>
@@ -886,7 +885,7 @@
           <a:p>
             <a:fld id="{B417B79C-9BEE-4788-8A40-105E29A8A87D}" type="datetimeFigureOut">
               <a:rPr lang="en-US" smtClean="0"/>
-              <a:t>1/22/2018</a:t>
+              <a:t>1/11/2022</a:t>
             </a:fld>
             <a:endParaRPr lang="en-US"/>
           </a:p>
@@ -993,7 +992,7 @@
           <a:lstStyle/>
           <a:p>
             <a:r>
-              <a:rPr lang="en-US" smtClean="0"/>
+              <a:rPr lang="en-US"/>
               <a:t>Click to edit Master title style</a:t>
             </a:r>
             <a:endParaRPr lang="en-US" dirty="0"/>
@@ -1022,35 +1021,35 @@
           <a:p>
             <a:pPr lvl="0"/>
             <a:r>
-              <a:rPr lang="en-US" smtClean="0"/>
+              <a:rPr lang="en-US"/>
               <a:t>Edit Master text styles</a:t>
             </a:r>
           </a:p>
           <a:p>
             <a:pPr lvl="1"/>
             <a:r>
-              <a:rPr lang="en-US" smtClean="0"/>
+              <a:rPr lang="en-US"/>
               <a:t>Second level</a:t>
             </a:r>
           </a:p>
           <a:p>
             <a:pPr lvl="2"/>
             <a:r>
-              <a:rPr lang="en-US" smtClean="0"/>
+              <a:rPr lang="en-US"/>
               <a:t>Third level</a:t>
             </a:r>
           </a:p>
           <a:p>
             <a:pPr lvl="3"/>
             <a:r>
-              <a:rPr lang="en-US" smtClean="0"/>
+              <a:rPr lang="en-US"/>
               <a:t>Fourth level</a:t>
             </a:r>
           </a:p>
           <a:p>
             <a:pPr lvl="4"/>
             <a:r>
-              <a:rPr lang="en-US" smtClean="0"/>
+              <a:rPr lang="en-US"/>
               <a:t>Fifth level</a:t>
             </a:r>
             <a:endParaRPr lang="en-US" dirty="0"/>
@@ -1074,7 +1073,7 @@
           <a:p>
             <a:fld id="{B417B79C-9BEE-4788-8A40-105E29A8A87D}" type="datetimeFigureOut">
               <a:rPr lang="en-US" smtClean="0"/>
-              <a:t>1/22/2018</a:t>
+              <a:t>1/11/2022</a:t>
             </a:fld>
             <a:endParaRPr lang="en-US"/>
           </a:p>
@@ -1176,7 +1175,7 @@
           <a:lstStyle/>
           <a:p>
             <a:r>
-              <a:rPr lang="en-US" smtClean="0"/>
+              <a:rPr lang="en-US"/>
               <a:t>Click to edit Master title style</a:t>
             </a:r>
             <a:endParaRPr lang="en-US" dirty="0"/>
@@ -1200,35 +1199,35 @@
           <a:p>
             <a:pPr lvl="0"/>
             <a:r>
-              <a:rPr lang="en-US" smtClean="0"/>
+              <a:rPr lang="en-US"/>
               <a:t>Edit Master text styles</a:t>
             </a:r>
           </a:p>
           <a:p>
             <a:pPr lvl="1"/>
             <a:r>
-              <a:rPr lang="en-US" smtClean="0"/>
+              <a:rPr lang="en-US"/>
               <a:t>Second level</a:t>
             </a:r>
           </a:p>
           <a:p>
             <a:pPr lvl="2"/>
             <a:r>
-              <a:rPr lang="en-US" smtClean="0"/>
+              <a:rPr lang="en-US"/>
               <a:t>Third level</a:t>
             </a:r>
           </a:p>
           <a:p>
             <a:pPr lvl="3"/>
             <a:r>
-              <a:rPr lang="en-US" smtClean="0"/>
+              <a:rPr lang="en-US"/>
               <a:t>Fourth level</a:t>
             </a:r>
           </a:p>
           <a:p>
             <a:pPr lvl="4"/>
             <a:r>
-              <a:rPr lang="en-US" smtClean="0"/>
+              <a:rPr lang="en-US"/>
               <a:t>Fifth level</a:t>
             </a:r>
             <a:endParaRPr lang="en-US" dirty="0"/>
@@ -1252,7 +1251,7 @@
           <a:p>
             <a:fld id="{B417B79C-9BEE-4788-8A40-105E29A8A87D}" type="datetimeFigureOut">
               <a:rPr lang="en-US" smtClean="0"/>
-              <a:t>1/22/2018</a:t>
+              <a:t>1/11/2022</a:t>
             </a:fld>
             <a:endParaRPr lang="en-US"/>
           </a:p>
@@ -1363,7 +1362,7 @@
           </a:lstStyle>
           <a:p>
             <a:r>
-              <a:rPr lang="en-US" smtClean="0"/>
+              <a:rPr lang="en-US"/>
               <a:t>Click to edit Master title style</a:t>
             </a:r>
             <a:endParaRPr lang="en-US" dirty="0"/>
@@ -1483,7 +1482,7 @@
           <a:p>
             <a:pPr lvl="0"/>
             <a:r>
-              <a:rPr lang="en-US" smtClean="0"/>
+              <a:rPr lang="en-US"/>
               <a:t>Edit Master text styles</a:t>
             </a:r>
           </a:p>
@@ -1506,7 +1505,7 @@
           <a:p>
             <a:fld id="{B417B79C-9BEE-4788-8A40-105E29A8A87D}" type="datetimeFigureOut">
               <a:rPr lang="en-US" smtClean="0"/>
-              <a:t>1/22/2018</a:t>
+              <a:t>1/11/2022</a:t>
             </a:fld>
             <a:endParaRPr lang="en-US"/>
           </a:p>
@@ -1608,7 +1607,7 @@
           <a:lstStyle/>
           <a:p>
             <a:r>
-              <a:rPr lang="en-US" smtClean="0"/>
+              <a:rPr lang="en-US"/>
               <a:t>Click to edit Master title style</a:t>
             </a:r>
             <a:endParaRPr lang="en-US" dirty="0"/>
@@ -1637,35 +1636,35 @@
           <a:p>
             <a:pPr lvl="0"/>
             <a:r>
-              <a:rPr lang="en-US" smtClean="0"/>
+              <a:rPr lang="en-US"/>
               <a:t>Edit Master text styles</a:t>
             </a:r>
           </a:p>
           <a:p>
             <a:pPr lvl="1"/>
             <a:r>
-              <a:rPr lang="en-US" smtClean="0"/>
+              <a:rPr lang="en-US"/>
               <a:t>Second level</a:t>
             </a:r>
           </a:p>
           <a:p>
             <a:pPr lvl="2"/>
             <a:r>
-              <a:rPr lang="en-US" smtClean="0"/>
+              <a:rPr lang="en-US"/>
               <a:t>Third level</a:t>
             </a:r>
           </a:p>
           <a:p>
             <a:pPr lvl="3"/>
             <a:r>
-              <a:rPr lang="en-US" smtClean="0"/>
+              <a:rPr lang="en-US"/>
               <a:t>Fourth level</a:t>
             </a:r>
           </a:p>
           <a:p>
             <a:pPr lvl="4"/>
             <a:r>
-              <a:rPr lang="en-US" smtClean="0"/>
+              <a:rPr lang="en-US"/>
               <a:t>Fifth level</a:t>
             </a:r>
             <a:endParaRPr lang="en-US" dirty="0"/>
@@ -1694,35 +1693,35 @@
           <a:p>
             <a:pPr lvl="0"/>
             <a:r>
-              <a:rPr lang="en-US" smtClean="0"/>
+              <a:rPr lang="en-US"/>
               <a:t>Edit Master text styles</a:t>
             </a:r>
           </a:p>
           <a:p>
             <a:pPr lvl="1"/>
             <a:r>
-              <a:rPr lang="en-US" smtClean="0"/>
+              <a:rPr lang="en-US"/>
               <a:t>Second level</a:t>
             </a:r>
           </a:p>
           <a:p>
             <a:pPr lvl="2"/>
             <a:r>
-              <a:rPr lang="en-US" smtClean="0"/>
+              <a:rPr lang="en-US"/>
               <a:t>Third level</a:t>
             </a:r>
           </a:p>
           <a:p>
             <a:pPr lvl="3"/>
             <a:r>
-              <a:rPr lang="en-US" smtClean="0"/>
+              <a:rPr lang="en-US"/>
               <a:t>Fourth level</a:t>
             </a:r>
           </a:p>
           <a:p>
             <a:pPr lvl="4"/>
             <a:r>
-              <a:rPr lang="en-US" smtClean="0"/>
+              <a:rPr lang="en-US"/>
               <a:t>Fifth level</a:t>
             </a:r>
             <a:endParaRPr lang="en-US" dirty="0"/>
@@ -1746,7 +1745,7 @@
           <a:p>
             <a:fld id="{B417B79C-9BEE-4788-8A40-105E29A8A87D}" type="datetimeFigureOut">
               <a:rPr lang="en-US" smtClean="0"/>
-              <a:t>1/22/2018</a:t>
+              <a:t>1/11/2022</a:t>
             </a:fld>
             <a:endParaRPr lang="en-US"/>
           </a:p>
@@ -1853,7 +1852,7 @@
           <a:lstStyle/>
           <a:p>
             <a:r>
-              <a:rPr lang="en-US" smtClean="0"/>
+              <a:rPr lang="en-US"/>
               <a:t>Click to edit Master title style</a:t>
             </a:r>
             <a:endParaRPr lang="en-US" dirty="0"/>
@@ -1919,7 +1918,7 @@
           <a:p>
             <a:pPr lvl="0"/>
             <a:r>
-              <a:rPr lang="en-US" smtClean="0"/>
+              <a:rPr lang="en-US"/>
               <a:t>Edit Master text styles</a:t>
             </a:r>
           </a:p>
@@ -1947,35 +1946,35 @@
           <a:p>
             <a:pPr lvl="0"/>
             <a:r>
-              <a:rPr lang="en-US" smtClean="0"/>
+              <a:rPr lang="en-US"/>
               <a:t>Edit Master text styles</a:t>
             </a:r>
           </a:p>
           <a:p>
             <a:pPr lvl="1"/>
             <a:r>
-              <a:rPr lang="en-US" smtClean="0"/>
+              <a:rPr lang="en-US"/>
               <a:t>Second level</a:t>
             </a:r>
           </a:p>
           <a:p>
             <a:pPr lvl="2"/>
             <a:r>
-              <a:rPr lang="en-US" smtClean="0"/>
+              <a:rPr lang="en-US"/>
               <a:t>Third level</a:t>
             </a:r>
           </a:p>
           <a:p>
             <a:pPr lvl="3"/>
             <a:r>
-              <a:rPr lang="en-US" smtClean="0"/>
+              <a:rPr lang="en-US"/>
               <a:t>Fourth level</a:t>
             </a:r>
           </a:p>
           <a:p>
             <a:pPr lvl="4"/>
             <a:r>
-              <a:rPr lang="en-US" smtClean="0"/>
+              <a:rPr lang="en-US"/>
               <a:t>Fifth level</a:t>
             </a:r>
             <a:endParaRPr lang="en-US" dirty="0"/>
@@ -2041,7 +2040,7 @@
           <a:p>
             <a:pPr lvl="0"/>
             <a:r>
-              <a:rPr lang="en-US" smtClean="0"/>
+              <a:rPr lang="en-US"/>
               <a:t>Edit Master text styles</a:t>
             </a:r>
           </a:p>
@@ -2069,35 +2068,35 @@
           <a:p>
             <a:pPr lvl="0"/>
             <a:r>
-              <a:rPr lang="en-US" smtClean="0"/>
+              <a:rPr lang="en-US"/>
               <a:t>Edit Master text styles</a:t>
             </a:r>
           </a:p>
           <a:p>
             <a:pPr lvl="1"/>
             <a:r>
-              <a:rPr lang="en-US" smtClean="0"/>
+              <a:rPr lang="en-US"/>
               <a:t>Second level</a:t>
             </a:r>
           </a:p>
           <a:p>
             <a:pPr lvl="2"/>
             <a:r>
-              <a:rPr lang="en-US" smtClean="0"/>
+              <a:rPr lang="en-US"/>
               <a:t>Third level</a:t>
             </a:r>
           </a:p>
           <a:p>
             <a:pPr lvl="3"/>
             <a:r>
-              <a:rPr lang="en-US" smtClean="0"/>
+              <a:rPr lang="en-US"/>
               <a:t>Fourth level</a:t>
             </a:r>
           </a:p>
           <a:p>
             <a:pPr lvl="4"/>
             <a:r>
-              <a:rPr lang="en-US" smtClean="0"/>
+              <a:rPr lang="en-US"/>
               <a:t>Fifth level</a:t>
             </a:r>
             <a:endParaRPr lang="en-US" dirty="0"/>
@@ -2121,7 +2120,7 @@
           <a:p>
             <a:fld id="{B417B79C-9BEE-4788-8A40-105E29A8A87D}" type="datetimeFigureOut">
               <a:rPr lang="en-US" smtClean="0"/>
-              <a:t>1/22/2018</a:t>
+              <a:t>1/11/2022</a:t>
             </a:fld>
             <a:endParaRPr lang="en-US"/>
           </a:p>
@@ -2223,7 +2222,7 @@
           <a:lstStyle/>
           <a:p>
             <a:r>
-              <a:rPr lang="en-US" smtClean="0"/>
+              <a:rPr lang="en-US"/>
               <a:t>Click to edit Master title style</a:t>
             </a:r>
             <a:endParaRPr lang="en-US" dirty="0"/>
@@ -2247,7 +2246,7 @@
           <a:p>
             <a:fld id="{B417B79C-9BEE-4788-8A40-105E29A8A87D}" type="datetimeFigureOut">
               <a:rPr lang="en-US" smtClean="0"/>
-              <a:t>1/22/2018</a:t>
+              <a:t>1/11/2022</a:t>
             </a:fld>
             <a:endParaRPr lang="en-US"/>
           </a:p>
@@ -2350,7 +2349,7 @@
           <a:p>
             <a:fld id="{B417B79C-9BEE-4788-8A40-105E29A8A87D}" type="datetimeFigureOut">
               <a:rPr lang="en-US" smtClean="0"/>
-              <a:t>1/22/2018</a:t>
+              <a:t>1/11/2022</a:t>
             </a:fld>
             <a:endParaRPr lang="en-US"/>
           </a:p>
@@ -2461,7 +2460,7 @@
           </a:lstStyle>
           <a:p>
             <a:r>
-              <a:rPr lang="en-US" smtClean="0"/>
+              <a:rPr lang="en-US"/>
               <a:t>Click to edit Master title style</a:t>
             </a:r>
             <a:endParaRPr lang="en-US" dirty="0"/>
@@ -2518,35 +2517,35 @@
           <a:p>
             <a:pPr lvl="0"/>
             <a:r>
-              <a:rPr lang="en-US" smtClean="0"/>
+              <a:rPr lang="en-US"/>
               <a:t>Edit Master text styles</a:t>
             </a:r>
           </a:p>
           <a:p>
             <a:pPr lvl="1"/>
             <a:r>
-              <a:rPr lang="en-US" smtClean="0"/>
+              <a:rPr lang="en-US"/>
               <a:t>Second level</a:t>
             </a:r>
           </a:p>
           <a:p>
             <a:pPr lvl="2"/>
             <a:r>
-              <a:rPr lang="en-US" smtClean="0"/>
+              <a:rPr lang="en-US"/>
               <a:t>Third level</a:t>
             </a:r>
           </a:p>
           <a:p>
             <a:pPr lvl="3"/>
             <a:r>
-              <a:rPr lang="en-US" smtClean="0"/>
+              <a:rPr lang="en-US"/>
               <a:t>Fourth level</a:t>
             </a:r>
           </a:p>
           <a:p>
             <a:pPr lvl="4"/>
             <a:r>
-              <a:rPr lang="en-US" smtClean="0"/>
+              <a:rPr lang="en-US"/>
               <a:t>Fifth level</a:t>
             </a:r>
             <a:endParaRPr lang="en-US" dirty="0"/>
@@ -2612,7 +2611,7 @@
           <a:p>
             <a:pPr lvl="0"/>
             <a:r>
-              <a:rPr lang="en-US" smtClean="0"/>
+              <a:rPr lang="en-US"/>
               <a:t>Edit Master text styles</a:t>
             </a:r>
           </a:p>
@@ -2635,7 +2634,7 @@
           <a:p>
             <a:fld id="{B417B79C-9BEE-4788-8A40-105E29A8A87D}" type="datetimeFigureOut">
               <a:rPr lang="en-US" smtClean="0"/>
-              <a:t>1/22/2018</a:t>
+              <a:t>1/11/2022</a:t>
             </a:fld>
             <a:endParaRPr lang="en-US"/>
           </a:p>
@@ -2746,7 +2745,7 @@
           </a:lstStyle>
           <a:p>
             <a:r>
-              <a:rPr lang="en-US" smtClean="0"/>
+              <a:rPr lang="en-US"/>
               <a:t>Click to edit Master title style</a:t>
             </a:r>
             <a:endParaRPr lang="en-US" dirty="0"/>
@@ -2811,7 +2810,7 @@
           </a:lstStyle>
           <a:p>
             <a:r>
-              <a:rPr lang="en-US" smtClean="0"/>
+              <a:rPr lang="en-US"/>
               <a:t>Click icon to add picture</a:t>
             </a:r>
             <a:endParaRPr lang="en-US" dirty="0"/>
@@ -2877,7 +2876,7 @@
           <a:p>
             <a:pPr lvl="0"/>
             <a:r>
-              <a:rPr lang="en-US" smtClean="0"/>
+              <a:rPr lang="en-US"/>
               <a:t>Edit Master text styles</a:t>
             </a:r>
           </a:p>
@@ -2900,7 +2899,7 @@
           <a:p>
             <a:fld id="{B417B79C-9BEE-4788-8A40-105E29A8A87D}" type="datetimeFigureOut">
               <a:rPr lang="en-US" smtClean="0"/>
-              <a:t>1/22/2018</a:t>
+              <a:t>1/11/2022</a:t>
             </a:fld>
             <a:endParaRPr lang="en-US"/>
           </a:p>
@@ -3012,7 +3011,7 @@
           <a:lstStyle/>
           <a:p>
             <a:r>
-              <a:rPr lang="en-US" smtClean="0"/>
+              <a:rPr lang="en-US"/>
               <a:t>Click to edit Master title style</a:t>
             </a:r>
             <a:endParaRPr lang="en-US" dirty="0"/>
@@ -3046,35 +3045,35 @@
           <a:p>
             <a:pPr lvl="0"/>
             <a:r>
-              <a:rPr lang="en-US" smtClean="0"/>
+              <a:rPr lang="en-US"/>
               <a:t>Edit Master text styles</a:t>
             </a:r>
           </a:p>
           <a:p>
             <a:pPr lvl="1"/>
             <a:r>
-              <a:rPr lang="en-US" smtClean="0"/>
+              <a:rPr lang="en-US"/>
               <a:t>Second level</a:t>
             </a:r>
           </a:p>
           <a:p>
             <a:pPr lvl="2"/>
             <a:r>
-              <a:rPr lang="en-US" smtClean="0"/>
+              <a:rPr lang="en-US"/>
               <a:t>Third level</a:t>
             </a:r>
           </a:p>
           <a:p>
             <a:pPr lvl="3"/>
             <a:r>
-              <a:rPr lang="en-US" smtClean="0"/>
+              <a:rPr lang="en-US"/>
               <a:t>Fourth level</a:t>
             </a:r>
           </a:p>
           <a:p>
             <a:pPr lvl="4"/>
             <a:r>
-              <a:rPr lang="en-US" smtClean="0"/>
+              <a:rPr lang="en-US"/>
               <a:t>Fifth level</a:t>
             </a:r>
             <a:endParaRPr lang="en-US" dirty="0"/>
@@ -3116,7 +3115,7 @@
           <a:p>
             <a:fld id="{B417B79C-9BEE-4788-8A40-105E29A8A87D}" type="datetimeFigureOut">
               <a:rPr lang="en-US" smtClean="0"/>
-              <a:t>1/22/2018</a:t>
+              <a:t>1/11/2022</a:t>
             </a:fld>
             <a:endParaRPr lang="en-US"/>
           </a:p>
@@ -3539,18 +3538,14 @@
           <a:lstStyle/>
           <a:p>
             <a:r>
-              <a:rPr lang="en-US" sz="4800" dirty="0" smtClean="0"/>
+              <a:rPr lang="en-US" sz="4800" dirty="0"/>
               <a:t>Hands-on</a:t>
             </a:r>
-            <a:r>
-              <a:rPr lang="en-US" sz="4900" dirty="0" smtClean="0"/>
-              <a:t/>
-            </a:r>
             <a:br>
-              <a:rPr lang="en-US" sz="4900" dirty="0" smtClean="0"/>
+              <a:rPr lang="en-US" sz="4900" dirty="0"/>
             </a:br>
             <a:r>
-              <a:rPr lang="en-US" sz="8000" b="1" dirty="0" smtClean="0"/>
+              <a:rPr lang="en-US" sz="8000" b="1" dirty="0"/>
               <a:t>JavaScript</a:t>
             </a:r>
             <a:endParaRPr lang="en-US" sz="6700" b="1" dirty="0"/>
@@ -3573,10 +3568,9 @@
           <a:lstStyle/>
           <a:p>
             <a:r>
-              <a:rPr lang="en-US" dirty="0" smtClean="0"/>
+              <a:rPr lang="en-US" dirty="0"/>
               <a:t>An introductory workshop on getting the most out of JavaScript</a:t>
             </a:r>
-            <a:endParaRPr lang="en-US" dirty="0"/>
           </a:p>
         </p:txBody>
       </p:sp>
@@ -3626,10 +3620,9 @@
           <a:lstStyle/>
           <a:p>
             <a:r>
-              <a:rPr lang="en-US" dirty="0" smtClean="0"/>
+              <a:rPr lang="en-US" dirty="0"/>
               <a:t>[Show] – Loose Typing</a:t>
             </a:r>
-            <a:endParaRPr lang="en-US" dirty="0"/>
           </a:p>
         </p:txBody>
       </p:sp>
@@ -3651,92 +3644,91 @@
           <a:lstStyle/>
           <a:p>
             <a:r>
-              <a:rPr lang="en-US" dirty="0" smtClean="0"/>
+              <a:rPr lang="en-US" dirty="0"/>
               <a:t>“Loose” operations</a:t>
             </a:r>
           </a:p>
           <a:p>
             <a:pPr lvl="1"/>
             <a:r>
-              <a:rPr lang="en-US" dirty="0" smtClean="0"/>
+              <a:rPr lang="en-US" dirty="0"/>
               <a:t>Primitives</a:t>
             </a:r>
           </a:p>
           <a:p>
             <a:pPr lvl="1"/>
             <a:r>
-              <a:rPr lang="en-US" dirty="0" err="1" smtClean="0"/>
+              <a:rPr lang="en-US" dirty="0" err="1"/>
               <a:t>Typeof</a:t>
             </a:r>
-            <a:endParaRPr lang="en-US" dirty="0" smtClean="0"/>
+            <a:endParaRPr lang="en-US" dirty="0"/>
           </a:p>
           <a:p>
             <a:pPr lvl="1"/>
             <a:r>
-              <a:rPr lang="en-US" dirty="0" smtClean="0"/>
+              <a:rPr lang="en-US" dirty="0"/>
               <a:t>Reference </a:t>
             </a:r>
           </a:p>
           <a:p>
             <a:pPr lvl="1"/>
             <a:r>
-              <a:rPr lang="en-US" dirty="0" err="1" smtClean="0"/>
+              <a:rPr lang="en-US" dirty="0" err="1"/>
               <a:t>Truthy</a:t>
             </a:r>
             <a:r>
-              <a:rPr lang="en-US" dirty="0" smtClean="0"/>
+              <a:rPr lang="en-US" dirty="0"/>
               <a:t>/</a:t>
             </a:r>
             <a:r>
-              <a:rPr lang="en-US" dirty="0" err="1" smtClean="0"/>
+              <a:rPr lang="en-US" dirty="0" err="1"/>
               <a:t>Falsy</a:t>
             </a:r>
-            <a:endParaRPr lang="en-US" dirty="0" smtClean="0"/>
+            <a:endParaRPr lang="en-US" dirty="0"/>
           </a:p>
           <a:p>
             <a:pPr lvl="1"/>
             <a:r>
-              <a:rPr lang="en-US" dirty="0" smtClean="0"/>
+              <a:rPr lang="en-US" dirty="0"/>
               <a:t>String </a:t>
             </a:r>
             <a:r>
-              <a:rPr lang="en-US" dirty="0" err="1" smtClean="0"/>
+              <a:rPr lang="en-US" dirty="0" err="1"/>
               <a:t>concat</a:t>
             </a:r>
             <a:r>
-              <a:rPr lang="en-US" dirty="0" smtClean="0"/>
+              <a:rPr lang="en-US" dirty="0"/>
               <a:t> vs forced to number</a:t>
             </a:r>
           </a:p>
           <a:p>
             <a:pPr lvl="1"/>
             <a:r>
-              <a:rPr lang="en-US" dirty="0" smtClean="0"/>
+              <a:rPr lang="en-US" dirty="0"/>
               <a:t>Ternary assignment</a:t>
             </a:r>
           </a:p>
           <a:p>
             <a:pPr lvl="1"/>
             <a:r>
-              <a:rPr lang="en-US" dirty="0" smtClean="0"/>
+              <a:rPr lang="en-US" dirty="0"/>
               <a:t>Automatic global assignment (and show global abatement)</a:t>
             </a:r>
           </a:p>
           <a:p>
             <a:pPr lvl="1"/>
             <a:r>
-              <a:rPr lang="en-US" dirty="0" smtClean="0"/>
+              <a:rPr lang="en-US" dirty="0"/>
               <a:t>ASI</a:t>
             </a:r>
+          </a:p>
+          <a:p>
+            <a:pPr lvl="1"/>
             <a:endParaRPr lang="en-US" dirty="0"/>
           </a:p>
           <a:p>
             <a:pPr lvl="1"/>
-            <a:endParaRPr lang="en-US" dirty="0" smtClean="0"/>
-          </a:p>
-          <a:p>
-            <a:pPr lvl="1"/>
-            <a:endParaRPr lang="en-US" dirty="0" smtClean="0"/>
+            <a:endParaRPr lang="en-US" dirty="0"/>
           </a:p>
         </p:txBody>
       </p:sp>
@@ -3786,10 +3778,9 @@
           <a:lstStyle/>
           <a:p>
             <a:r>
-              <a:rPr lang="en-US" dirty="0" smtClean="0"/>
+              <a:rPr lang="en-US" dirty="0"/>
               <a:t>[Show] – Dynamic Objects</a:t>
             </a:r>
-            <a:endParaRPr lang="en-US" dirty="0"/>
           </a:p>
         </p:txBody>
       </p:sp>
@@ -3833,50 +3824,43 @@
               <a:rPr lang="en-US" dirty="0"/>
               <a:t>Augmentation </a:t>
             </a:r>
-            <a:endParaRPr lang="en-US" dirty="0" smtClean="0"/>
           </a:p>
           <a:p>
             <a:pPr lvl="1"/>
             <a:r>
-              <a:rPr lang="en-US" dirty="0" smtClean="0"/>
+              <a:rPr lang="en-US" dirty="0"/>
               <a:t>Arrays</a:t>
             </a:r>
-            <a:endParaRPr lang="en-US" dirty="0"/>
           </a:p>
           <a:p>
             <a:pPr lvl="1"/>
             <a:r>
               <a:rPr lang="en-US" dirty="0"/>
-              <a:t>Object </a:t>
-            </a:r>
-            <a:r>
-              <a:rPr lang="en-US" dirty="0" smtClean="0"/>
-              <a:t>looping (</a:t>
-            </a:r>
-            <a:r>
-              <a:rPr lang="en-US" dirty="0" err="1" smtClean="0"/>
+              <a:t>Object looping (</a:t>
+            </a:r>
+            <a:r>
+              <a:rPr lang="en-US" dirty="0" err="1"/>
               <a:t>obj</a:t>
             </a:r>
             <a:r>
-              <a:rPr lang="en-US" dirty="0" smtClean="0"/>
+              <a:rPr lang="en-US" dirty="0"/>
               <a:t>[keys[</a:t>
             </a:r>
             <a:r>
-              <a:rPr lang="en-US" dirty="0" err="1" smtClean="0"/>
+              <a:rPr lang="en-US" dirty="0" err="1"/>
               <a:t>i</a:t>
             </a:r>
             <a:r>
-              <a:rPr lang="en-US" dirty="0" smtClean="0"/>
+              <a:rPr lang="en-US" dirty="0"/>
               <a:t>]] example)</a:t>
             </a:r>
           </a:p>
           <a:p>
             <a:pPr lvl="1"/>
             <a:r>
-              <a:rPr lang="en-US" dirty="0" smtClean="0"/>
+              <a:rPr lang="en-US" dirty="0"/>
               <a:t>Constructing + Prototyping</a:t>
             </a:r>
-            <a:endParaRPr lang="en-US" dirty="0"/>
           </a:p>
           <a:p>
             <a:endParaRPr lang="en-US" dirty="0"/>
@@ -3929,10 +3913,9 @@
           <a:lstStyle/>
           <a:p>
             <a:r>
-              <a:rPr lang="en-US" dirty="0" smtClean="0"/>
+              <a:rPr lang="en-US" dirty="0"/>
               <a:t>[Show] – Expressive Functions</a:t>
             </a:r>
-            <a:endParaRPr lang="en-US" dirty="0"/>
           </a:p>
         </p:txBody>
       </p:sp>
@@ -3966,10 +3949,9 @@
           <a:p>
             <a:pPr lvl="1"/>
             <a:r>
-              <a:rPr lang="en-US" dirty="0" smtClean="0"/>
+              <a:rPr lang="en-US" dirty="0"/>
               <a:t>Scope (this)</a:t>
             </a:r>
-            <a:endParaRPr lang="en-US" dirty="0"/>
           </a:p>
           <a:p>
             <a:endParaRPr lang="en-US" dirty="0"/>
@@ -4022,11 +4004,11 @@
           <a:lstStyle/>
           <a:p>
             <a:r>
-              <a:rPr lang="en-US" dirty="0" smtClean="0"/>
+              <a:rPr lang="en-US" dirty="0"/>
               <a:t>[Practice] – 30 </a:t>
             </a:r>
             <a:r>
-              <a:rPr lang="en-US" dirty="0" err="1" smtClean="0"/>
+              <a:rPr lang="en-US" dirty="0" err="1"/>
               <a:t>mins</a:t>
             </a:r>
             <a:endParaRPr lang="en-US" dirty="0"/>
@@ -4056,52 +4038,47 @@
           <a:lstStyle/>
           <a:p>
             <a:r>
-              <a:rPr lang="en-US" dirty="0" smtClean="0"/>
+              <a:rPr lang="en-US" dirty="0"/>
               <a:t>Create a </a:t>
             </a:r>
             <a:r>
-              <a:rPr lang="en-US" dirty="0" err="1" smtClean="0"/>
+              <a:rPr lang="en-US" dirty="0" err="1"/>
               <a:t>js</a:t>
             </a:r>
             <a:r>
-              <a:rPr lang="en-US" dirty="0" smtClean="0"/>
+              <a:rPr lang="en-US" dirty="0"/>
               <a:t> file with a function that loops over all of the children elements of “#parent” in our test.html</a:t>
             </a:r>
           </a:p>
           <a:p>
             <a:r>
-              <a:rPr lang="en-US" dirty="0" smtClean="0"/>
-              <a:t>The function must remove any element which has a number smaller than 50 </a:t>
-            </a:r>
-            <a:r>
-              <a:rPr lang="en-US" dirty="0"/>
-              <a:t>(hint: with .remove()) </a:t>
-            </a:r>
-            <a:endParaRPr lang="en-US" dirty="0" smtClean="0"/>
-          </a:p>
-          <a:p>
-            <a:r>
-              <a:rPr lang="en-US" dirty="0" smtClean="0"/>
+              <a:rPr lang="en-US" dirty="0"/>
+              <a:t>The function must remove any element which has a number smaller than 50 (hint: with .remove()) </a:t>
+            </a:r>
+          </a:p>
+          <a:p>
+            <a:r>
+              <a:rPr lang="en-US" dirty="0"/>
               <a:t>The function must style any element with bold text if the element has a number larger than 200</a:t>
             </a:r>
           </a:p>
           <a:p>
             <a:r>
-              <a:rPr lang="en-US" dirty="0" smtClean="0"/>
+              <a:rPr lang="en-US" dirty="0"/>
               <a:t> Bonus:</a:t>
             </a:r>
           </a:p>
           <a:p>
             <a:pPr lvl="1"/>
             <a:r>
-              <a:rPr lang="en-US" dirty="0" smtClean="0"/>
+              <a:rPr lang="en-US" dirty="0"/>
               <a:t>Sort the elements based on their values (without deleting them first)</a:t>
             </a:r>
           </a:p>
           <a:p>
             <a:pPr lvl="1"/>
             <a:r>
-              <a:rPr lang="en-US" dirty="0" smtClean="0"/>
+              <a:rPr lang="en-US" dirty="0"/>
               <a:t>Create an array of objects that stores a reference to the child node itself and the value inside the node</a:t>
             </a:r>
           </a:p>
@@ -4110,19 +4087,19 @@
               <a:buNone/>
             </a:pPr>
             <a:r>
-              <a:rPr lang="en-US" dirty="0" err="1" smtClean="0"/>
+              <a:rPr lang="en-US" dirty="0" err="1"/>
               <a:t>var</a:t>
             </a:r>
             <a:r>
-              <a:rPr lang="en-US" dirty="0" smtClean="0"/>
+              <a:rPr lang="en-US" dirty="0"/>
               <a:t> </a:t>
             </a:r>
             <a:r>
-              <a:rPr lang="en-US" dirty="0" err="1" smtClean="0"/>
+              <a:rPr lang="en-US" dirty="0" err="1"/>
               <a:t>scraped_data</a:t>
             </a:r>
             <a:r>
-              <a:rPr lang="en-US" dirty="0" smtClean="0"/>
+              <a:rPr lang="en-US" dirty="0"/>
               <a:t> = [ </a:t>
             </a:r>
           </a:p>
@@ -4131,30 +4108,17 @@
               <a:buNone/>
             </a:pPr>
             <a:r>
-              <a:rPr lang="en-US" dirty="0" smtClean="0"/>
-              <a:t>	{ </a:t>
-            </a:r>
-            <a:r>
-              <a:rPr lang="en-US" dirty="0"/>
-              <a:t>node: &lt;div&gt;&lt;/div&gt;, value: 62 }, </a:t>
-            </a:r>
-            <a:endParaRPr lang="en-US" dirty="0" smtClean="0"/>
+              <a:rPr lang="en-US" dirty="0"/>
+              <a:t>	{ node: &lt;div&gt;&lt;/div&gt;, value: 62 }, </a:t>
+            </a:r>
           </a:p>
           <a:p>
             <a:pPr marL="457200" lvl="1" indent="0">
               <a:buNone/>
             </a:pPr>
             <a:r>
-              <a:rPr lang="en-US" dirty="0" smtClean="0"/>
-              <a:t>	{ </a:t>
-            </a:r>
-            <a:r>
-              <a:rPr lang="en-US" dirty="0"/>
-              <a:t>node: &lt;div&gt;&lt;/div&gt;, value: </a:t>
-            </a:r>
-            <a:r>
-              <a:rPr lang="en-US" dirty="0" smtClean="0"/>
-              <a:t>89 }, … ]</a:t>
+              <a:rPr lang="en-US" dirty="0"/>
+              <a:t>	{ node: &lt;div&gt;&lt;/div&gt;, value: 89 }, … ]</a:t>
             </a:r>
           </a:p>
         </p:txBody>
@@ -4205,10 +4169,9 @@
           <a:lstStyle/>
           <a:p>
             <a:r>
-              <a:rPr lang="en-US" dirty="0" smtClean="0"/>
+              <a:rPr lang="en-US" dirty="0"/>
               <a:t>[Break]</a:t>
             </a:r>
-            <a:endParaRPr lang="en-US" dirty="0"/>
           </a:p>
         </p:txBody>
       </p:sp>
@@ -4277,10 +4240,9 @@
           <a:lstStyle/>
           <a:p>
             <a:r>
-              <a:rPr lang="en-US" dirty="0" smtClean="0"/>
+              <a:rPr lang="en-US" dirty="0"/>
               <a:t>[Show]</a:t>
             </a:r>
-            <a:endParaRPr lang="en-US" dirty="0"/>
           </a:p>
         </p:txBody>
       </p:sp>
@@ -4300,40 +4262,39 @@
           <a:lstStyle/>
           <a:p>
             <a:r>
-              <a:rPr lang="en-US" dirty="0" smtClean="0"/>
+              <a:rPr lang="en-US" dirty="0"/>
               <a:t>Library Import</a:t>
             </a:r>
           </a:p>
           <a:p>
             <a:r>
-              <a:rPr lang="en-US" dirty="0" smtClean="0"/>
+              <a:rPr lang="en-US" dirty="0"/>
               <a:t>D3 element creation, show object’s new __data__ property</a:t>
             </a:r>
           </a:p>
           <a:p>
             <a:r>
-              <a:rPr lang="en-US" dirty="0" smtClean="0"/>
+              <a:rPr lang="en-US" dirty="0"/>
               <a:t>Data Import:</a:t>
             </a:r>
           </a:p>
           <a:p>
             <a:pPr lvl="1"/>
             <a:r>
-              <a:rPr lang="en-US" dirty="0" smtClean="0"/>
+              <a:rPr lang="en-US" dirty="0"/>
               <a:t>Synchronous: renaming + up front (show cheating file)</a:t>
             </a:r>
           </a:p>
           <a:p>
             <a:pPr lvl="1"/>
             <a:r>
-              <a:rPr lang="en-US" dirty="0" err="1" smtClean="0"/>
+              <a:rPr lang="en-US" dirty="0" err="1"/>
               <a:t>Async</a:t>
             </a:r>
             <a:r>
-              <a:rPr lang="en-US" dirty="0" smtClean="0"/>
+              <a:rPr lang="en-US" dirty="0"/>
               <a:t>: Creating a local webserver</a:t>
             </a:r>
-            <a:endParaRPr lang="en-US" dirty="0"/>
           </a:p>
         </p:txBody>
       </p:sp>
@@ -4388,11 +4349,11 @@
           <a:lstStyle/>
           <a:p>
             <a:r>
-              <a:rPr lang="en-US" dirty="0" smtClean="0"/>
+              <a:rPr lang="en-US" dirty="0"/>
               <a:t>[Practice] – 30 </a:t>
             </a:r>
             <a:r>
-              <a:rPr lang="en-US" dirty="0" err="1" smtClean="0"/>
+              <a:rPr lang="en-US" dirty="0" err="1"/>
               <a:t>mins</a:t>
             </a:r>
             <a:endParaRPr lang="en-US" dirty="0"/>
@@ -4422,31 +4383,27 @@
           <a:lstStyle/>
           <a:p>
             <a:r>
-              <a:rPr lang="en-US" dirty="0" smtClean="0"/>
+              <a:rPr lang="en-US" dirty="0"/>
               <a:t>Import d3.js &amp; your JS file into an html file</a:t>
             </a:r>
           </a:p>
           <a:p>
             <a:r>
-              <a:rPr lang="en-US" dirty="0" smtClean="0"/>
+              <a:rPr lang="en-US" dirty="0"/>
               <a:t>Install a local HTTP server (Node or Python required)</a:t>
             </a:r>
           </a:p>
           <a:p>
             <a:pPr lvl="1"/>
             <a:r>
-              <a:rPr lang="en-US" dirty="0" smtClean="0"/>
-              <a:t>Python</a:t>
-            </a:r>
-            <a:r>
-              <a:rPr lang="en-US" dirty="0"/>
-              <a:t>: </a:t>
+              <a:rPr lang="en-US" dirty="0"/>
+              <a:t>Python: </a:t>
             </a:r>
           </a:p>
           <a:p>
             <a:pPr lvl="2"/>
             <a:r>
-              <a:rPr lang="en-US" dirty="0" smtClean="0"/>
+              <a:rPr lang="en-US" dirty="0"/>
               <a:t>Navigate to your directory</a:t>
             </a:r>
           </a:p>
@@ -4457,22 +4414,13 @@
               <a:t>python -m </a:t>
             </a:r>
             <a:r>
-              <a:rPr lang="en-US" dirty="0" err="1" smtClean="0"/>
+              <a:rPr lang="en-US" dirty="0" err="1"/>
               <a:t>http.server</a:t>
             </a:r>
             <a:r>
-              <a:rPr lang="en-US" dirty="0" smtClean="0"/>
-              <a:t> # </a:t>
-            </a:r>
-            <a:r>
-              <a:rPr lang="en-US" dirty="0"/>
-              <a:t>If Python version </a:t>
-            </a:r>
-            <a:r>
-              <a:rPr lang="en-US" dirty="0" smtClean="0"/>
-              <a:t>is 3.X</a:t>
-            </a:r>
-            <a:endParaRPr lang="en-US" dirty="0"/>
+              <a:rPr lang="en-US" dirty="0"/>
+              <a:t> # If Python version is 3.X</a:t>
+            </a:r>
           </a:p>
           <a:p>
             <a:pPr lvl="2"/>
@@ -4481,26 +4429,18 @@
               <a:t>python -m </a:t>
             </a:r>
             <a:r>
-              <a:rPr lang="en-US" dirty="0" err="1" smtClean="0"/>
+              <a:rPr lang="en-US" dirty="0" err="1"/>
               <a:t>SimpleHTTPServer</a:t>
             </a:r>
             <a:r>
-              <a:rPr lang="en-US" dirty="0" smtClean="0"/>
-              <a:t> </a:t>
-            </a:r>
-            <a:r>
-              <a:rPr lang="en-US" dirty="0"/>
-              <a:t># If Python version is </a:t>
-            </a:r>
-            <a:r>
-              <a:rPr lang="en-US" dirty="0" smtClean="0"/>
-              <a:t>2.X</a:t>
+              <a:rPr lang="en-US" dirty="0"/>
+              <a:t> # If Python version is 2.X</a:t>
             </a:r>
           </a:p>
           <a:p>
             <a:pPr lvl="1"/>
             <a:r>
-              <a:rPr lang="en-US" dirty="0" smtClean="0"/>
+              <a:rPr lang="en-US" dirty="0"/>
               <a:t>Node:</a:t>
             </a:r>
           </a:p>
@@ -4512,96 +4452,92 @@
             </a:r>
             <a:r>
               <a:rPr lang="en-US" dirty="0"/>
-              <a:t> install -g </a:t>
-            </a:r>
-            <a:r>
-              <a:rPr lang="en-US" dirty="0" smtClean="0"/>
+              <a:t> install -g http-server</a:t>
+            </a:r>
+          </a:p>
+          <a:p>
+            <a:pPr lvl="2"/>
+            <a:r>
+              <a:rPr lang="en-US" dirty="0"/>
+              <a:t>Navigate to your directory</a:t>
+            </a:r>
+          </a:p>
+          <a:p>
+            <a:pPr lvl="2"/>
+            <a:r>
+              <a:rPr lang="en-US" dirty="0"/>
               <a:t>http-server</a:t>
             </a:r>
           </a:p>
           <a:p>
-            <a:pPr lvl="2"/>
-            <a:r>
-              <a:rPr lang="en-US" dirty="0" smtClean="0"/>
-              <a:t>Navigate to your directory</a:t>
-            </a:r>
-          </a:p>
-          <a:p>
-            <a:pPr lvl="2"/>
-            <a:r>
-              <a:rPr lang="en-US" dirty="0" smtClean="0"/>
-              <a:t>http-server</a:t>
-            </a:r>
-          </a:p>
-          <a:p>
-            <a:r>
-              <a:rPr lang="en-US" dirty="0" smtClean="0"/>
+            <a:r>
+              <a:rPr lang="en-US" dirty="0"/>
               <a:t>Import </a:t>
             </a:r>
             <a:r>
-              <a:rPr lang="en-US" dirty="0" err="1" smtClean="0"/>
+              <a:rPr lang="en-US" dirty="0" err="1"/>
               <a:t>data.json</a:t>
             </a:r>
             <a:r>
-              <a:rPr lang="en-US" dirty="0" smtClean="0"/>
+              <a:rPr lang="en-US" dirty="0"/>
               <a:t> file via </a:t>
             </a:r>
             <a:r>
-              <a:rPr lang="en-US" dirty="0" err="1" smtClean="0"/>
+              <a:rPr lang="en-US" dirty="0" err="1"/>
               <a:t>javascript</a:t>
             </a:r>
             <a:r>
-              <a:rPr lang="en-US" dirty="0" smtClean="0"/>
+              <a:rPr lang="en-US" dirty="0"/>
               <a:t> into your document, once a button is pushed</a:t>
             </a:r>
           </a:p>
           <a:p>
             <a:r>
-              <a:rPr lang="en-US" dirty="0" smtClean="0"/>
+              <a:rPr lang="en-US" dirty="0"/>
               <a:t>In the </a:t>
             </a:r>
             <a:r>
-              <a:rPr lang="en-US" dirty="0" err="1" smtClean="0"/>
+              <a:rPr lang="en-US" dirty="0" err="1"/>
               <a:t>async</a:t>
             </a:r>
             <a:r>
-              <a:rPr lang="en-US" dirty="0" smtClean="0"/>
+              <a:rPr lang="en-US" dirty="0"/>
               <a:t> callback, create an element for each item using d3:</a:t>
             </a:r>
           </a:p>
           <a:p>
             <a:pPr lvl="1"/>
             <a:r>
-              <a:rPr lang="en-US" dirty="0" smtClean="0"/>
+              <a:rPr lang="en-US" dirty="0"/>
               <a:t>Each element should have text </a:t>
             </a:r>
             <a:r>
-              <a:rPr lang="en-US" i="1" dirty="0" smtClean="0"/>
+              <a:rPr lang="en-US" i="1" dirty="0"/>
               <a:t>and</a:t>
             </a:r>
             <a:r>
-              <a:rPr lang="en-US" dirty="0" smtClean="0"/>
+              <a:rPr lang="en-US" dirty="0"/>
               <a:t> width equal to its value</a:t>
             </a:r>
           </a:p>
           <a:p>
             <a:r>
-              <a:rPr lang="en-US" dirty="0" smtClean="0"/>
+              <a:rPr lang="en-US" dirty="0"/>
               <a:t>Bonus:</a:t>
             </a:r>
           </a:p>
           <a:p>
             <a:pPr lvl="1"/>
             <a:r>
-              <a:rPr lang="en-US" dirty="0" smtClean="0"/>
+              <a:rPr lang="en-US" dirty="0"/>
               <a:t>Use SVG (‘</a:t>
             </a:r>
             <a:r>
-              <a:rPr lang="en-US" dirty="0" err="1" smtClean="0"/>
+              <a:rPr lang="en-US" dirty="0" err="1"/>
               <a:t>rect</a:t>
             </a:r>
             <a:r>
-              <a:rPr lang="en-US" dirty="0" smtClean="0"/>
+              <a:rPr lang="en-US" dirty="0"/>
               <a:t>’) instead of ‘div’ (and create a “proper” visualization)</a:t>
             </a:r>
           </a:p>
@@ -4659,10 +4595,9 @@
           <a:lstStyle/>
           <a:p>
             <a:r>
-              <a:rPr lang="en-US" dirty="0" smtClean="0"/>
+              <a:rPr lang="en-US" dirty="0"/>
               <a:t>No Node or Python?</a:t>
             </a:r>
-            <a:endParaRPr lang="en-US" dirty="0"/>
           </a:p>
         </p:txBody>
       </p:sp>
@@ -4687,26 +4622,22 @@
           <a:lstStyle/>
           <a:p>
             <a:r>
-              <a:rPr lang="en-US" dirty="0" smtClean="0"/>
+              <a:rPr lang="en-US" dirty="0"/>
               <a:t>See this guide for Python:</a:t>
             </a:r>
           </a:p>
           <a:p>
             <a:r>
               <a:rPr lang="en-US" dirty="0"/>
-              <a:t>https://</a:t>
-            </a:r>
-            <a:r>
-              <a:rPr lang="en-US" dirty="0" smtClean="0"/>
-              <a:t>developer.mozilla.org/en-US/docs/Learn/Common_questions/set_up_a_local_testing_server</a:t>
-            </a:r>
-          </a:p>
-          <a:p>
-            <a:endParaRPr lang="en-US" dirty="0" smtClean="0"/>
-          </a:p>
-          <a:p>
-            <a:r>
-              <a:rPr lang="en-US" dirty="0" smtClean="0"/>
+              <a:t>https://developer.mozilla.org/en-US/docs/Learn/Common_questions/set_up_a_local_testing_server</a:t>
+            </a:r>
+          </a:p>
+          <a:p>
+            <a:endParaRPr lang="en-US" dirty="0"/>
+          </a:p>
+          <a:p>
+            <a:r>
+              <a:rPr lang="en-US" dirty="0"/>
               <a:t>See this guide for Node:</a:t>
             </a:r>
           </a:p>
@@ -4764,10 +4695,9 @@
           <a:lstStyle/>
           <a:p>
             <a:r>
-              <a:rPr lang="en-US" dirty="0" smtClean="0"/>
+              <a:rPr lang="en-US" dirty="0"/>
               <a:t>Server or not?</a:t>
             </a:r>
-            <a:endParaRPr lang="en-US" dirty="0"/>
           </a:p>
         </p:txBody>
       </p:sp>
@@ -4787,77 +4717,71 @@
           <a:lstStyle/>
           <a:p>
             <a:r>
-              <a:rPr lang="en-US" dirty="0" smtClean="0"/>
+              <a:rPr lang="en-US" dirty="0"/>
               <a:t>Do you need:</a:t>
             </a:r>
           </a:p>
           <a:p>
             <a:pPr lvl="1"/>
             <a:r>
-              <a:rPr lang="en-US" dirty="0" smtClean="0"/>
+              <a:rPr lang="en-US" dirty="0"/>
               <a:t>Storage/delivery of information that is contextual or non-static?</a:t>
             </a:r>
           </a:p>
           <a:p>
             <a:pPr lvl="1"/>
             <a:r>
-              <a:rPr lang="en-US" dirty="0" smtClean="0"/>
+              <a:rPr lang="en-US" dirty="0"/>
               <a:t>Customized user experiences?</a:t>
             </a:r>
           </a:p>
           <a:p>
             <a:pPr lvl="1"/>
             <a:r>
-              <a:rPr lang="en-US" dirty="0" smtClean="0"/>
+              <a:rPr lang="en-US" dirty="0"/>
               <a:t>Controlled access to content?</a:t>
             </a:r>
           </a:p>
           <a:p>
             <a:pPr lvl="1"/>
             <a:r>
-              <a:rPr lang="en-US" dirty="0" smtClean="0"/>
+              <a:rPr lang="en-US" dirty="0"/>
               <a:t>Session storage or state history?</a:t>
             </a:r>
           </a:p>
           <a:p>
             <a:pPr lvl="1"/>
             <a:r>
-              <a:rPr lang="en-US" dirty="0" smtClean="0"/>
+              <a:rPr lang="en-US" dirty="0"/>
               <a:t>Notifications or communication?</a:t>
             </a:r>
-            <a:endParaRPr lang="en-US" dirty="0"/>
           </a:p>
           <a:p>
             <a:pPr lvl="1"/>
             <a:r>
-              <a:rPr lang="en-US" dirty="0" smtClean="0"/>
+              <a:rPr lang="en-US" dirty="0"/>
               <a:t>Analysis of live data?</a:t>
             </a:r>
           </a:p>
           <a:p>
             <a:r>
-              <a:rPr lang="en-US" dirty="0" smtClean="0"/>
+              <a:rPr lang="en-US" dirty="0"/>
               <a:t>If you need dynamic data analysis but have </a:t>
             </a:r>
             <a:r>
-              <a:rPr lang="en-US" i="1" dirty="0" smtClean="0"/>
+              <a:rPr lang="en-US" i="1" dirty="0"/>
               <a:t>static data</a:t>
             </a:r>
             <a:r>
-              <a:rPr lang="en-US" dirty="0" smtClean="0"/>
+              <a:rPr lang="en-US" dirty="0"/>
               <a:t>, you may not need a server at all! The frontend can handle this easily.</a:t>
             </a:r>
           </a:p>
           <a:p>
             <a:r>
-              <a:rPr lang="en-US" dirty="0" smtClean="0"/>
-              <a:t>See</a:t>
-            </a:r>
-            <a:r>
-              <a:rPr lang="en-US" dirty="0"/>
-              <a:t>: https://ligo.northwestern.edu/media/mass-plot/index.html</a:t>
-            </a:r>
-            <a:endParaRPr lang="en-US" dirty="0" smtClean="0"/>
+              <a:rPr lang="en-US" dirty="0"/>
+              <a:t>See: https://ligo.northwestern.edu/media/mass-plot/index.html</a:t>
+            </a:r>
           </a:p>
         </p:txBody>
       </p:sp>
@@ -4907,10 +4831,9 @@
           <a:lstStyle/>
           <a:p>
             <a:r>
-              <a:rPr lang="en-US" dirty="0" smtClean="0"/>
+              <a:rPr lang="en-US" dirty="0"/>
               <a:t>Frameworks: an important decision</a:t>
             </a:r>
-            <a:endParaRPr lang="en-US" dirty="0"/>
           </a:p>
         </p:txBody>
       </p:sp>
@@ -4929,50 +4852,50 @@
           <a:bodyPr/>
           <a:lstStyle/>
           <a:p>
-            <a:endParaRPr lang="en-US" b="1" dirty="0" smtClean="0"/>
-          </a:p>
-          <a:p>
-            <a:r>
-              <a:rPr lang="en-US" b="1" dirty="0" smtClean="0"/>
+            <a:endParaRPr lang="en-US" b="1" dirty="0"/>
+          </a:p>
+          <a:p>
+            <a:r>
+              <a:rPr lang="en-US" b="1" dirty="0"/>
               <a:t>Opinionated</a:t>
             </a:r>
             <a:r>
-              <a:rPr lang="en-US" dirty="0" smtClean="0"/>
+              <a:rPr lang="en-US" dirty="0"/>
               <a:t>: Django, Ruby-on-Rails, .NET</a:t>
             </a:r>
           </a:p>
           <a:p>
             <a:pPr lvl="1"/>
             <a:r>
-              <a:rPr lang="en-US" dirty="0" smtClean="0"/>
+              <a:rPr lang="en-US" dirty="0"/>
               <a:t>Harder to make “mistakes” but more restrictive on what you can do</a:t>
             </a:r>
           </a:p>
           <a:p>
-            <a:endParaRPr lang="en-US" b="1" dirty="0" smtClean="0"/>
-          </a:p>
-          <a:p>
-            <a:r>
-              <a:rPr lang="en-US" b="1" dirty="0" smtClean="0"/>
+            <a:endParaRPr lang="en-US" b="1" dirty="0"/>
+          </a:p>
+          <a:p>
+            <a:r>
+              <a:rPr lang="en-US" b="1" dirty="0"/>
               <a:t>Non-Opinionated</a:t>
             </a:r>
             <a:r>
-              <a:rPr lang="en-US" dirty="0" smtClean="0"/>
+              <a:rPr lang="en-US" dirty="0"/>
               <a:t>: Node, Flask</a:t>
             </a:r>
           </a:p>
           <a:p>
             <a:pPr lvl="1"/>
             <a:r>
-              <a:rPr lang="en-US" dirty="0" smtClean="0"/>
+              <a:rPr lang="en-US" dirty="0"/>
               <a:t>Easy to make mistakes, because they are minimal “build-your-own” solutions. This is also their </a:t>
             </a:r>
             <a:r>
-              <a:rPr lang="en-US" i="1" dirty="0" smtClean="0"/>
+              <a:rPr lang="en-US" i="1" dirty="0"/>
               <a:t>strength</a:t>
             </a:r>
             <a:r>
-              <a:rPr lang="en-US" dirty="0" smtClean="0"/>
+              <a:rPr lang="en-US" dirty="0"/>
               <a:t>: they can create almost anything.</a:t>
             </a:r>
           </a:p>
@@ -5031,51 +4954,49 @@
           <a:lstStyle/>
           <a:p>
             <a:r>
-              <a:rPr lang="en-US" dirty="0" smtClean="0"/>
+              <a:rPr lang="en-US" dirty="0"/>
               <a:t>Review Challenge #3 (previous workshop)</a:t>
             </a:r>
+          </a:p>
+        </p:txBody>
+      </p:sp>
+      <p:sp>
+        <p:nvSpPr>
+          <p:cNvPr id="3" name="Content Placeholder 2"/>
+          <p:cNvSpPr>
+            <a:spLocks noGrp="1"/>
+          </p:cNvSpPr>
+          <p:nvPr>
+            <p:ph idx="1"/>
+          </p:nvPr>
+        </p:nvSpPr>
+        <p:spPr/>
+        <p:txBody>
+          <a:bodyPr/>
+          <a:lstStyle/>
+          <a:p>
             <a:endParaRPr lang="en-US" dirty="0"/>
           </a:p>
-        </p:txBody>
-      </p:sp>
-      <p:sp>
-        <p:nvSpPr>
-          <p:cNvPr id="3" name="Content Placeholder 2"/>
-          <p:cNvSpPr>
-            <a:spLocks noGrp="1"/>
-          </p:cNvSpPr>
-          <p:nvPr>
-            <p:ph idx="1"/>
-          </p:nvPr>
-        </p:nvSpPr>
-        <p:spPr/>
-        <p:txBody>
-          <a:bodyPr/>
-          <a:lstStyle/>
-          <a:p>
-            <a:endParaRPr lang="en-US" dirty="0" smtClean="0"/>
-          </a:p>
           <a:p>
             <a:endParaRPr lang="en-US" dirty="0"/>
           </a:p>
           <a:p>
             <a:r>
-              <a:rPr lang="en-US" dirty="0" smtClean="0"/>
+              <a:rPr lang="en-US" dirty="0"/>
               <a:t>What did you learn?</a:t>
             </a:r>
           </a:p>
           <a:p>
             <a:r>
-              <a:rPr lang="en-US" dirty="0" smtClean="0"/>
+              <a:rPr lang="en-US" dirty="0"/>
               <a:t>Any tips for the group?</a:t>
             </a:r>
           </a:p>
           <a:p>
             <a:r>
-              <a:rPr lang="en-US" dirty="0" smtClean="0"/>
+              <a:rPr lang="en-US" dirty="0"/>
               <a:t>How did you accomplish it?</a:t>
             </a:r>
-            <a:endParaRPr lang="en-US" dirty="0"/>
           </a:p>
         </p:txBody>
       </p:sp>
@@ -5125,10 +5046,9 @@
           <a:lstStyle/>
           <a:p>
             <a:r>
-              <a:rPr lang="en-US" dirty="0" smtClean="0"/>
+              <a:rPr lang="en-US" dirty="0"/>
               <a:t>Questions?</a:t>
             </a:r>
-            <a:endParaRPr lang="en-US" dirty="0"/>
           </a:p>
         </p:txBody>
       </p:sp>
@@ -5197,10 +5117,9 @@
           <a:lstStyle/>
           <a:p>
             <a:r>
-              <a:rPr lang="en-US" dirty="0" smtClean="0"/>
+              <a:rPr lang="en-US" dirty="0"/>
               <a:t>Research Computing: Next Steps</a:t>
             </a:r>
-            <a:endParaRPr lang="en-US" dirty="0"/>
           </a:p>
         </p:txBody>
       </p:sp>
@@ -5222,7 +5141,7 @@
           <a:lstStyle/>
           <a:p>
             <a:r>
-              <a:rPr lang="en-US" dirty="0" smtClean="0"/>
+              <a:rPr lang="en-US" dirty="0"/>
               <a:t>Do you need help with your project?</a:t>
             </a:r>
           </a:p>
@@ -5234,21 +5153,12 @@
               <a:rPr lang="en-US" dirty="0"/>
               <a:t>Consult with us: </a:t>
             </a:r>
-            <a:endParaRPr lang="en-US" dirty="0" smtClean="0"/>
           </a:p>
           <a:p>
             <a:pPr lvl="1"/>
             <a:r>
-              <a:rPr lang="en-US" dirty="0" smtClean="0"/>
-              <a:t>http</a:t>
-            </a:r>
-            <a:r>
-              <a:rPr lang="en-US" dirty="0"/>
-              <a:t>://</a:t>
-            </a:r>
-            <a:r>
-              <a:rPr lang="en-US" dirty="0" smtClean="0"/>
-              <a:t>www.it.northwestern.edu/research/about/rcs-staff.html</a:t>
+              <a:rPr lang="en-US" dirty="0"/>
+              <a:t>http://www.it.northwestern.edu/research/about/rcs-staff.html</a:t>
             </a:r>
           </a:p>
           <a:p>
@@ -5260,48 +5170,48 @@
               <a:buNone/>
             </a:pPr>
             <a:r>
-              <a:rPr lang="en-US" dirty="0" smtClean="0"/>
+              <a:rPr lang="en-US" dirty="0"/>
               <a:t>Helpful people:</a:t>
             </a:r>
           </a:p>
           <a:p>
             <a:pPr lvl="1"/>
             <a:r>
-              <a:rPr lang="en-US" dirty="0" smtClean="0"/>
+              <a:rPr lang="en-US" dirty="0"/>
               <a:t>Matthew Rich, </a:t>
             </a:r>
             <a:r>
-              <a:rPr lang="en-US" dirty="0" err="1" smtClean="0"/>
+              <a:rPr lang="en-US" dirty="0" err="1"/>
               <a:t>Cloud+Server-Side</a:t>
             </a:r>
-            <a:endParaRPr lang="en-US" dirty="0" smtClean="0"/>
+            <a:endParaRPr lang="en-US" dirty="0"/>
           </a:p>
           <a:p>
             <a:pPr lvl="1"/>
             <a:r>
-              <a:rPr lang="en-US" dirty="0" smtClean="0"/>
+              <a:rPr lang="en-US" dirty="0"/>
               <a:t>Christina </a:t>
             </a:r>
             <a:r>
-              <a:rPr lang="en-US" dirty="0" err="1" smtClean="0"/>
+              <a:rPr lang="en-US" dirty="0" err="1"/>
               <a:t>Maimone</a:t>
             </a:r>
             <a:r>
-              <a:rPr lang="en-US" dirty="0" smtClean="0"/>
+              <a:rPr lang="en-US" dirty="0"/>
               <a:t>, Data Science</a:t>
             </a:r>
           </a:p>
           <a:p>
             <a:pPr lvl="1"/>
             <a:r>
-              <a:rPr lang="en-US" dirty="0" smtClean="0"/>
+              <a:rPr lang="en-US" dirty="0"/>
               <a:t>Frank Elavsky (me), </a:t>
             </a:r>
             <a:r>
-              <a:rPr lang="en-US" dirty="0" err="1" smtClean="0"/>
+              <a:rPr lang="en-US" dirty="0" err="1"/>
               <a:t>Visualization+Client-Side</a:t>
             </a:r>
-            <a:endParaRPr lang="en-US" dirty="0" smtClean="0"/>
+            <a:endParaRPr lang="en-US" dirty="0"/>
           </a:p>
           <a:p>
             <a:pPr lvl="1"/>
@@ -5309,10 +5219,9 @@
           </a:p>
           <a:p>
             <a:r>
-              <a:rPr lang="en-US" dirty="0" smtClean="0"/>
+              <a:rPr lang="en-US" dirty="0"/>
               <a:t>Please take the survey (and my card on your way out)</a:t>
             </a:r>
-            <a:endParaRPr lang="en-US" dirty="0"/>
           </a:p>
         </p:txBody>
       </p:sp>
@@ -5362,10 +5271,9 @@
           <a:lstStyle/>
           <a:p>
             <a:r>
-              <a:rPr lang="en-US" dirty="0" smtClean="0"/>
+              <a:rPr lang="en-US" dirty="0"/>
               <a:t>What this workshop focuses on:</a:t>
             </a:r>
-            <a:endParaRPr lang="en-US" dirty="0"/>
           </a:p>
         </p:txBody>
       </p:sp>
@@ -5387,11 +5295,11 @@
           <a:lstStyle/>
           <a:p>
             <a:r>
-              <a:rPr lang="en-US" b="1" dirty="0" smtClean="0"/>
+              <a:rPr lang="en-US" b="1" dirty="0"/>
               <a:t>Hands-on JavaScript: learning about the language by doing stuff </a:t>
             </a:r>
             <a:r>
-              <a:rPr lang="en-US" dirty="0" smtClean="0"/>
+              <a:rPr lang="en-US" dirty="0"/>
               <a:t>(enough to go out and start your own projects)</a:t>
             </a:r>
           </a:p>
@@ -5400,37 +5308,37 @@
           </a:p>
           <a:p>
             <a:r>
-              <a:rPr lang="en-US" i="1" dirty="0" smtClean="0"/>
+              <a:rPr lang="en-US" i="1" dirty="0"/>
               <a:t>Also:</a:t>
             </a:r>
           </a:p>
           <a:p>
             <a:r>
-              <a:rPr lang="en-US" dirty="0" smtClean="0"/>
+              <a:rPr lang="en-US" dirty="0"/>
               <a:t>A short overview of some terminology behind web development</a:t>
             </a:r>
           </a:p>
           <a:p>
             <a:r>
-              <a:rPr lang="en-US" dirty="0" smtClean="0"/>
+              <a:rPr lang="en-US" dirty="0"/>
               <a:t>Setting up a local webserver</a:t>
             </a:r>
           </a:p>
           <a:p>
             <a:r>
-              <a:rPr lang="en-US" dirty="0" smtClean="0"/>
+              <a:rPr lang="en-US" dirty="0"/>
               <a:t>Limitations in deployment, in particular with scientific or analytical projects (best practices here)</a:t>
             </a:r>
           </a:p>
           <a:p>
             <a:r>
-              <a:rPr lang="en-US" dirty="0" smtClean="0"/>
+              <a:rPr lang="en-US" dirty="0"/>
               <a:t>What frameworks exist and how you should choose one</a:t>
             </a:r>
           </a:p>
           <a:p>
             <a:r>
-              <a:rPr lang="en-US" dirty="0" smtClean="0"/>
+              <a:rPr lang="en-US" dirty="0"/>
               <a:t>Where to go next</a:t>
             </a:r>
           </a:p>
@@ -5482,10 +5390,9 @@
           <a:lstStyle/>
           <a:p>
             <a:r>
-              <a:rPr lang="en-US" dirty="0" smtClean="0"/>
+              <a:rPr lang="en-US" dirty="0"/>
               <a:t>Resources for today:</a:t>
             </a:r>
-            <a:endParaRPr lang="en-US" dirty="0"/>
           </a:p>
         </p:txBody>
       </p:sp>
@@ -5511,61 +5418,59 @@
               <a:t>The repository is here: </a:t>
             </a:r>
             <a:r>
-              <a:rPr lang="en-US" sz="4000" b="1" dirty="0"/>
-              <a:t>http://bit.ly/2F2RrgF</a:t>
-            </a:r>
-            <a:endParaRPr lang="en-US" sz="4000" b="1" dirty="0" smtClean="0"/>
-          </a:p>
-          <a:p>
-            <a:r>
-              <a:rPr lang="en-US" sz="4000" dirty="0" smtClean="0"/>
+              <a:rPr lang="en-US" sz="6000" b="1" dirty="0"/>
+              <a:t>https://bit.ly/intro_to_js</a:t>
+            </a:r>
+          </a:p>
+          <a:p>
+            <a:r>
+              <a:rPr lang="en-US" sz="4000" dirty="0"/>
               <a:t>MDN (Mozilla Developer Network) – Best ECMAScript/JavaScript reference out there</a:t>
             </a:r>
           </a:p>
           <a:p>
             <a:pPr lvl="1"/>
             <a:r>
-              <a:rPr lang="en-US" sz="3600" dirty="0" smtClean="0"/>
+              <a:rPr lang="en-US" sz="3600" dirty="0"/>
               <a:t>Guide to Dynamic </a:t>
             </a:r>
             <a:r>
-              <a:rPr lang="en-US" sz="3600" dirty="0" err="1" smtClean="0"/>
+              <a:rPr lang="en-US" sz="3600" dirty="0" err="1"/>
               <a:t>Javascript</a:t>
             </a:r>
             <a:r>
-              <a:rPr lang="en-US" sz="3600" dirty="0" smtClean="0"/>
+              <a:rPr lang="en-US" sz="3600" dirty="0"/>
               <a:t> (Client-Side)</a:t>
             </a:r>
           </a:p>
           <a:p>
             <a:pPr lvl="1"/>
             <a:r>
-              <a:rPr lang="en-US" sz="3600" dirty="0" smtClean="0"/>
+              <a:rPr lang="en-US" sz="3600" dirty="0"/>
               <a:t>Guide to Client-Side/3</a:t>
             </a:r>
             <a:r>
-              <a:rPr lang="en-US" sz="3600" baseline="30000" dirty="0" smtClean="0"/>
+              <a:rPr lang="en-US" sz="3600" baseline="30000" dirty="0"/>
               <a:t>rd</a:t>
             </a:r>
             <a:r>
-              <a:rPr lang="en-US" sz="3600" dirty="0" smtClean="0"/>
+              <a:rPr lang="en-US" sz="3600" dirty="0"/>
               <a:t> party APIs</a:t>
             </a:r>
           </a:p>
           <a:p>
             <a:pPr lvl="1"/>
             <a:r>
-              <a:rPr lang="en-US" sz="3600" dirty="0" smtClean="0"/>
+              <a:rPr lang="en-US" sz="3600" dirty="0"/>
               <a:t>Guide to Server-Side programming</a:t>
             </a:r>
           </a:p>
           <a:p>
             <a:pPr lvl="1"/>
             <a:r>
-              <a:rPr lang="en-US" sz="3600" dirty="0" smtClean="0"/>
-              <a:t>Guide to Web Frameworks (Node/Django)</a:t>
-            </a:r>
-            <a:endParaRPr lang="en-US" sz="3600" dirty="0"/>
+              <a:rPr lang="en-US" sz="3600" dirty="0"/>
+              <a:t>Guide to Backend Frameworks (Node/Flask)</a:t>
+            </a:r>
           </a:p>
         </p:txBody>
       </p:sp>
@@ -5650,25 +5555,24 @@
           <a:p>
             <a:pPr algn="ctr"/>
             <a:r>
-              <a:rPr lang="en-US" dirty="0" smtClean="0"/>
+              <a:rPr lang="en-US" dirty="0"/>
               <a:t>Framework: </a:t>
             </a:r>
           </a:p>
           <a:p>
             <a:pPr algn="ctr"/>
             <a:r>
-              <a:rPr lang="en-US" dirty="0" smtClean="0"/>
+              <a:rPr lang="en-US" dirty="0"/>
               <a:t>An </a:t>
             </a:r>
             <a:r>
-              <a:rPr lang="en-US" i="1" dirty="0" smtClean="0"/>
+              <a:rPr lang="en-US" i="1" dirty="0"/>
               <a:t>optional</a:t>
             </a:r>
             <a:r>
-              <a:rPr lang="en-US" dirty="0" smtClean="0"/>
+              <a:rPr lang="en-US" dirty="0"/>
               <a:t> package, library, methodology, or pattern that determines how these all interact</a:t>
             </a:r>
-            <a:endParaRPr lang="en-US" dirty="0"/>
           </a:p>
         </p:txBody>
       </p:sp>
@@ -5718,7 +5622,7 @@
           <a:p>
             <a:pPr algn="ctr"/>
             <a:r>
-              <a:rPr lang="en-US" b="1" dirty="0" smtClean="0">
+              <a:rPr lang="en-US" b="1" dirty="0">
                 <a:solidFill>
                   <a:schemeClr val="bg1"/>
                 </a:solidFill>
@@ -5729,18 +5633,13 @@
           <a:p>
             <a:pPr algn="ctr"/>
             <a:r>
-              <a:rPr lang="en-US" dirty="0" smtClean="0">
+              <a:rPr lang="en-US" dirty="0">
                 <a:solidFill>
                   <a:schemeClr val="bg1"/>
                 </a:solidFill>
               </a:rPr>
               <a:t>What the user sees</a:t>
             </a:r>
-            <a:endParaRPr lang="en-US" dirty="0">
-              <a:solidFill>
-                <a:schemeClr val="bg1"/>
-              </a:solidFill>
-            </a:endParaRPr>
           </a:p>
         </p:txBody>
       </p:sp>
@@ -5790,7 +5689,7 @@
           <a:p>
             <a:pPr algn="ctr"/>
             <a:r>
-              <a:rPr lang="en-US" b="1" dirty="0" smtClean="0">
+              <a:rPr lang="en-US" b="1" dirty="0">
                 <a:solidFill>
                   <a:schemeClr val="bg1"/>
                 </a:solidFill>
@@ -5801,18 +5700,13 @@
           <a:p>
             <a:pPr algn="ctr"/>
             <a:r>
-              <a:rPr lang="en-US" dirty="0" smtClean="0">
+              <a:rPr lang="en-US" dirty="0">
                 <a:solidFill>
                   <a:schemeClr val="bg1"/>
                 </a:solidFill>
               </a:rPr>
               <a:t>What the user does not see</a:t>
             </a:r>
-            <a:endParaRPr lang="en-US" dirty="0">
-              <a:solidFill>
-                <a:schemeClr val="bg1"/>
-              </a:solidFill>
-            </a:endParaRPr>
           </a:p>
         </p:txBody>
       </p:sp>
@@ -5918,7 +5812,7 @@
           <a:p>
             <a:pPr algn="ctr"/>
             <a:r>
-              <a:rPr lang="en-US" b="1" dirty="0" smtClean="0">
+              <a:rPr lang="en-US" b="1" dirty="0">
                 <a:solidFill>
                   <a:schemeClr val="bg1"/>
                 </a:solidFill>
@@ -5926,18 +5820,13 @@
               <a:t>Client-side: </a:t>
             </a:r>
             <a:r>
-              <a:rPr lang="en-US" dirty="0" smtClean="0">
+              <a:rPr lang="en-US" dirty="0">
                 <a:solidFill>
                   <a:schemeClr val="bg1"/>
                 </a:solidFill>
               </a:rPr>
               <a:t>the physical location of the technology the user interacts with.</a:t>
             </a:r>
-            <a:endParaRPr lang="en-US" dirty="0">
-              <a:solidFill>
-                <a:schemeClr val="bg1"/>
-              </a:solidFill>
-            </a:endParaRPr>
           </a:p>
         </p:txBody>
       </p:sp>
@@ -5991,7 +5880,7 @@
           <a:p>
             <a:pPr algn="ctr"/>
             <a:r>
-              <a:rPr lang="en-US" b="1" dirty="0" smtClean="0">
+              <a:rPr lang="en-US" b="1" dirty="0">
                 <a:solidFill>
                   <a:schemeClr val="bg1"/>
                 </a:solidFill>
@@ -5999,7 +5888,7 @@
               <a:t>Server-side: </a:t>
             </a:r>
             <a:r>
-              <a:rPr lang="en-US" dirty="0" smtClean="0">
+              <a:rPr lang="en-US" dirty="0">
                 <a:solidFill>
                   <a:schemeClr val="bg1"/>
                 </a:solidFill>
@@ -6064,7 +5953,7 @@
           <a:p>
             <a:pPr algn="ctr"/>
             <a:r>
-              <a:rPr lang="en-US" b="1" dirty="0" smtClean="0">
+              <a:rPr lang="en-US" b="1" dirty="0">
                 <a:solidFill>
                   <a:schemeClr val="bg1"/>
                 </a:solidFill>
@@ -6072,18 +5961,13 @@
               <a:t>Database: </a:t>
             </a:r>
             <a:r>
-              <a:rPr lang="en-US" dirty="0" smtClean="0">
+              <a:rPr lang="en-US" dirty="0">
                 <a:solidFill>
                   <a:schemeClr val="bg1"/>
                 </a:solidFill>
               </a:rPr>
               <a:t>the physical location of the technology that handles data storage</a:t>
             </a:r>
-            <a:endParaRPr lang="en-US" dirty="0">
-              <a:solidFill>
-                <a:schemeClr val="bg1"/>
-              </a:solidFill>
-            </a:endParaRPr>
           </a:p>
         </p:txBody>
       </p:sp>
@@ -6208,10 +6092,9 @@
           <a:lstStyle/>
           <a:p>
             <a:r>
-              <a:rPr lang="en-US" dirty="0" smtClean="0"/>
+              <a:rPr lang="en-US" dirty="0"/>
               <a:t>But remember: JS isn’t just for the web and the web’s backend isn’t just JS</a:t>
             </a:r>
-            <a:endParaRPr lang="en-US" dirty="0"/>
           </a:p>
         </p:txBody>
       </p:sp>
@@ -6233,72 +6116,61 @@
           <a:lstStyle/>
           <a:p>
             <a:r>
-              <a:rPr lang="en-US" dirty="0" smtClean="0"/>
+              <a:rPr lang="en-US" dirty="0"/>
               <a:t>A “pure” JS web stack is generally MEAN or equivalent:</a:t>
             </a:r>
           </a:p>
           <a:p>
             <a:pPr lvl="1"/>
             <a:r>
-              <a:rPr lang="en-US" b="1" dirty="0" smtClean="0"/>
+              <a:rPr lang="en-US" b="1" dirty="0"/>
               <a:t>M</a:t>
             </a:r>
             <a:r>
-              <a:rPr lang="en-US" dirty="0" smtClean="0"/>
+              <a:rPr lang="en-US" dirty="0"/>
               <a:t>ongoDB (</a:t>
             </a:r>
             <a:r>
-              <a:rPr lang="en-US" dirty="0" err="1" smtClean="0"/>
+              <a:rPr lang="en-US" dirty="0" err="1"/>
               <a:t>DynamoDB</a:t>
             </a:r>
             <a:r>
-              <a:rPr lang="en-US" dirty="0" smtClean="0"/>
+              <a:rPr lang="en-US" dirty="0"/>
               <a:t> is good as well, for stateless data)</a:t>
             </a:r>
           </a:p>
           <a:p>
             <a:pPr lvl="1"/>
             <a:r>
-              <a:rPr lang="en-US" b="1" dirty="0" smtClean="0"/>
+              <a:rPr lang="en-US" b="1" dirty="0"/>
               <a:t>E</a:t>
             </a:r>
             <a:r>
-              <a:rPr lang="en-US" dirty="0" smtClean="0"/>
+              <a:rPr lang="en-US" dirty="0"/>
               <a:t>xpress: backend framework</a:t>
             </a:r>
           </a:p>
           <a:p>
             <a:pPr lvl="1"/>
             <a:r>
-              <a:rPr lang="en-US" b="1" dirty="0" smtClean="0"/>
+              <a:rPr lang="en-US" b="1" dirty="0"/>
               <a:t>A</a:t>
             </a:r>
             <a:r>
-              <a:rPr lang="en-US" dirty="0" smtClean="0"/>
+              <a:rPr lang="en-US" dirty="0"/>
               <a:t>ngular: frontend framework</a:t>
             </a:r>
           </a:p>
           <a:p>
             <a:pPr lvl="1"/>
             <a:r>
-              <a:rPr lang="en-US" b="1" dirty="0" smtClean="0"/>
+              <a:rPr lang="en-US" b="1" dirty="0"/>
               <a:t>N</a:t>
             </a:r>
             <a:r>
-              <a:rPr lang="en-US" dirty="0" smtClean="0"/>
+              <a:rPr lang="en-US" dirty="0"/>
               <a:t>ode: backend powerhouse</a:t>
             </a:r>
-          </a:p>
-          <a:p>
-            <a:pPr lvl="1"/>
-            <a:endParaRPr lang="en-US" dirty="0" smtClean="0"/>
-          </a:p>
-          <a:p>
-            <a:r>
-              <a:rPr lang="en-US" dirty="0" smtClean="0"/>
-              <a:t>Why is a “pure” JS stack like MEAN advantageous? (Performance and portability.) But PHP, C#, Python, &amp; Ruby are also used.</a:t>
-            </a:r>
-            <a:endParaRPr lang="en-US" dirty="0"/>
           </a:p>
           <a:p>
             <a:pPr lvl="1"/>
@@ -6306,10 +6178,19 @@
           </a:p>
           <a:p>
             <a:r>
-              <a:rPr lang="en-US" dirty="0" smtClean="0"/>
+              <a:rPr lang="en-US" dirty="0"/>
+              <a:t>Why is a “pure” JS stack like MEAN advantageous? (Performance and portability.) But PHP, C#, Python, &amp; Ruby are also used.</a:t>
+            </a:r>
+          </a:p>
+          <a:p>
+            <a:pPr lvl="1"/>
+            <a:endParaRPr lang="en-US" dirty="0"/>
+          </a:p>
+          <a:p>
+            <a:r>
+              <a:rPr lang="en-US" dirty="0"/>
               <a:t>Electron, for example, can build entire applications (compiled to .exe or otherwise) with a pure JS foundation.</a:t>
             </a:r>
-            <a:endParaRPr lang="en-US" dirty="0"/>
           </a:p>
         </p:txBody>
       </p:sp>
@@ -6413,10 +6294,9 @@
           <a:lstStyle/>
           <a:p>
             <a:r>
-              <a:rPr lang="en-US" dirty="0" smtClean="0"/>
+              <a:rPr lang="en-US" dirty="0"/>
               <a:t>Some words about JS, the best stuff</a:t>
             </a:r>
-            <a:endParaRPr lang="en-US" dirty="0"/>
           </a:p>
         </p:txBody>
       </p:sp>
@@ -6482,11 +6362,11 @@
             </a:r>
           </a:p>
           <a:p>
-            <a:endParaRPr lang="en-US" dirty="0" smtClean="0"/>
-          </a:p>
-          <a:p>
-            <a:r>
-              <a:rPr lang="en-US" dirty="0" smtClean="0"/>
+            <a:endParaRPr lang="en-US" dirty="0"/>
+          </a:p>
+          <a:p>
+            <a:r>
+              <a:rPr lang="en-US" dirty="0"/>
               <a:t>“</a:t>
             </a:r>
             <a:r>
@@ -6532,30 +6412,26 @@
             </a:r>
             <a:r>
               <a:rPr lang="en-US" dirty="0"/>
-              <a:t>:[[],[]], “12”:12</a:t>
-            </a:r>
-            <a:r>
-              <a:rPr lang="en-US" dirty="0" smtClean="0"/>
-              <a:t>}</a:t>
+              <a:t>:[[],[]], “12”:12}</a:t>
             </a:r>
           </a:p>
           <a:p>
             <a:pPr marL="457200" lvl="1" indent="0">
               <a:buNone/>
             </a:pPr>
-            <a:endParaRPr lang="en-US" dirty="0" smtClean="0"/>
-          </a:p>
-          <a:p>
-            <a:r>
-              <a:rPr lang="en-US" dirty="0" smtClean="0"/>
+            <a:endParaRPr lang="en-US" dirty="0"/>
+          </a:p>
+          <a:p>
+            <a:r>
+              <a:rPr lang="en-US" dirty="0"/>
               <a:t>“</a:t>
             </a:r>
             <a:r>
-              <a:rPr lang="en-US" b="1" dirty="0" smtClean="0"/>
+              <a:rPr lang="en-US" b="1" dirty="0"/>
               <a:t>Expressive</a:t>
             </a:r>
             <a:r>
-              <a:rPr lang="en-US" dirty="0" smtClean="0"/>
+              <a:rPr lang="en-US" dirty="0"/>
               <a:t>”</a:t>
             </a:r>
           </a:p>
@@ -6564,27 +6440,27 @@
               <a:buNone/>
             </a:pPr>
             <a:r>
-              <a:rPr lang="en-US" dirty="0" err="1" smtClean="0"/>
+              <a:rPr lang="en-US" dirty="0" err="1"/>
               <a:t>your_cat.using</a:t>
             </a:r>
             <a:r>
-              <a:rPr lang="en-US" dirty="0" smtClean="0"/>
+              <a:rPr lang="en-US" dirty="0"/>
               <a:t>(</a:t>
             </a:r>
             <a:r>
-              <a:rPr lang="en-US" dirty="0" err="1" smtClean="0"/>
+              <a:rPr lang="en-US" dirty="0" err="1"/>
               <a:t>this.claw_power</a:t>
             </a:r>
             <a:r>
-              <a:rPr lang="en-US" dirty="0" smtClean="0"/>
+              <a:rPr lang="en-US" dirty="0"/>
               <a:t>, </a:t>
             </a:r>
             <a:r>
-              <a:rPr lang="en-US" dirty="0" err="1" smtClean="0"/>
+              <a:rPr lang="en-US" dirty="0" err="1"/>
               <a:t>action.tear_blinds</a:t>
             </a:r>
             <a:r>
-              <a:rPr lang="en-US" dirty="0" smtClean="0"/>
+              <a:rPr lang="en-US" dirty="0"/>
               <a:t>)</a:t>
             </a:r>
           </a:p>
@@ -6593,26 +6469,18 @@
               <a:buNone/>
             </a:pPr>
             <a:r>
-              <a:rPr lang="en-US" dirty="0" err="1" smtClean="0"/>
+              <a:rPr lang="en-US" dirty="0" err="1"/>
               <a:t>your_cat</a:t>
             </a:r>
-            <a:endParaRPr lang="en-US" dirty="0" smtClean="0"/>
+            <a:endParaRPr lang="en-US" dirty="0"/>
           </a:p>
           <a:p>
             <a:pPr marL="914400" lvl="2" indent="0">
               <a:buNone/>
             </a:pPr>
             <a:r>
-              <a:rPr lang="en-US" dirty="0" smtClean="0"/>
-              <a:t>.</a:t>
-            </a:r>
-            <a:r>
-              <a:rPr lang="en-US" dirty="0"/>
-              <a:t>using</a:t>
-            </a:r>
-            <a:r>
-              <a:rPr lang="en-US" dirty="0" smtClean="0"/>
-              <a:t>(</a:t>
+              <a:rPr lang="en-US" dirty="0"/>
+              <a:t>.using(</a:t>
             </a:r>
           </a:p>
           <a:p>
@@ -6620,11 +6488,11 @@
               <a:buNone/>
             </a:pPr>
             <a:r>
-              <a:rPr lang="en-US" dirty="0" err="1" smtClean="0"/>
+              <a:rPr lang="en-US" dirty="0" err="1"/>
               <a:t>this.claw_power</a:t>
             </a:r>
             <a:r>
-              <a:rPr lang="en-US" dirty="0" smtClean="0"/>
+              <a:rPr lang="en-US" dirty="0"/>
               <a:t>, </a:t>
             </a:r>
           </a:p>
@@ -6633,17 +6501,17 @@
               <a:buNone/>
             </a:pPr>
             <a:r>
-              <a:rPr lang="en-US" dirty="0" err="1" smtClean="0"/>
+              <a:rPr lang="en-US" dirty="0" err="1"/>
               <a:t>action.tear_blinds</a:t>
             </a:r>
-            <a:endParaRPr lang="en-US" dirty="0" smtClean="0"/>
+            <a:endParaRPr lang="en-US" dirty="0"/>
           </a:p>
           <a:p>
             <a:pPr marL="914400" lvl="2" indent="0">
               <a:buNone/>
             </a:pPr>
             <a:r>
-              <a:rPr lang="en-US" dirty="0" smtClean="0"/>
+              <a:rPr lang="en-US" dirty="0"/>
               <a:t>)</a:t>
             </a:r>
           </a:p>
@@ -6695,73 +6563,67 @@
           <a:lstStyle/>
           <a:p>
             <a:r>
-              <a:rPr lang="en-US" dirty="0" smtClean="0"/>
+              <a:rPr lang="en-US" dirty="0"/>
               <a:t>The worst stuff</a:t>
             </a:r>
+          </a:p>
+        </p:txBody>
+      </p:sp>
+      <p:sp>
+        <p:nvSpPr>
+          <p:cNvPr id="3" name="Content Placeholder 2"/>
+          <p:cNvSpPr>
+            <a:spLocks noGrp="1"/>
+          </p:cNvSpPr>
+          <p:nvPr>
+            <p:ph idx="1"/>
+          </p:nvPr>
+        </p:nvSpPr>
+        <p:spPr/>
+        <p:txBody>
+          <a:bodyPr/>
+          <a:lstStyle/>
+          <a:p>
             <a:endParaRPr lang="en-US" dirty="0"/>
           </a:p>
-        </p:txBody>
-      </p:sp>
-      <p:sp>
-        <p:nvSpPr>
-          <p:cNvPr id="3" name="Content Placeholder 2"/>
-          <p:cNvSpPr>
-            <a:spLocks noGrp="1"/>
-          </p:cNvSpPr>
-          <p:nvPr>
-            <p:ph idx="1"/>
-          </p:nvPr>
-        </p:nvSpPr>
-        <p:spPr/>
-        <p:txBody>
-          <a:bodyPr/>
-          <a:lstStyle/>
-          <a:p>
-            <a:endParaRPr lang="en-US" dirty="0" smtClean="0"/>
-          </a:p>
-          <a:p>
-            <a:r>
-              <a:rPr lang="en-US" dirty="0" smtClean="0"/>
+          <a:p>
+            <a:r>
+              <a:rPr lang="en-US" dirty="0"/>
               <a:t>ASI: automatic semicolon insertion</a:t>
             </a:r>
           </a:p>
           <a:p>
             <a:r>
-              <a:rPr lang="en-US" dirty="0" smtClean="0"/>
+              <a:rPr lang="en-US" dirty="0"/>
               <a:t>Scope (and </a:t>
             </a:r>
             <a:r>
-              <a:rPr lang="en-US" i="1" dirty="0" smtClean="0"/>
+              <a:rPr lang="en-US" i="1" dirty="0"/>
               <a:t>this</a:t>
             </a:r>
             <a:r>
-              <a:rPr lang="en-US" dirty="0" smtClean="0"/>
+              <a:rPr lang="en-US" dirty="0"/>
               <a:t>)</a:t>
             </a:r>
           </a:p>
           <a:p>
             <a:r>
-              <a:rPr lang="en-US" dirty="0" smtClean="0"/>
+              <a:rPr lang="en-US" dirty="0"/>
               <a:t>Functions and hoisting (Statements vs Expressions)</a:t>
             </a:r>
           </a:p>
           <a:p>
             <a:r>
               <a:rPr lang="en-US" dirty="0"/>
-              <a:t>Floating </a:t>
-            </a:r>
-            <a:r>
-              <a:rPr lang="en-US" dirty="0" smtClean="0"/>
-              <a:t>Point Numbers</a:t>
+              <a:t>Floating Point Numbers</a:t>
+            </a:r>
+          </a:p>
+          <a:p>
+            <a:r>
+              <a:rPr lang="en-US" dirty="0" err="1"/>
+              <a:t>Falsy-Truthy</a:t>
             </a:r>
             <a:endParaRPr lang="en-US" dirty="0"/>
-          </a:p>
-          <a:p>
-            <a:r>
-              <a:rPr lang="en-US" dirty="0" err="1" smtClean="0"/>
-              <a:t>Falsy-Truthy</a:t>
-            </a:r>
-            <a:endParaRPr lang="en-US" dirty="0" smtClean="0"/>
           </a:p>
           <a:p>
             <a:r>
